--- a/BuzzHub.pptx
+++ b/BuzzHub.pptx
@@ -1065,7 +1065,7 @@
         </p:nvSpPr>
         <p:spPr>
           <a:xfrm>
-            <a:off x="381300" y="685800"/>
+            <a:off x="381000" y="685800"/>
             <a:ext cx="6096000" cy="3429000"/>
           </a:xfrm>
           <a:custGeom>
@@ -8111,7 +8111,13 @@
         <p:nvGraphicFramePr>
           <p:cNvPr id="86" name="Google Shape;86;p15"/>
           <p:cNvGraphicFramePr/>
-          <p:nvPr/>
+          <p:nvPr>
+            <p:extLst>
+              <p:ext uri="{D42A27DB-BD31-4B8C-83A1-F6EECF244321}">
+                <p14:modId xmlns:p14="http://schemas.microsoft.com/office/powerpoint/2010/main" val="3521902183"/>
+              </p:ext>
+            </p:extLst>
+          </p:nvPr>
         </p:nvGraphicFramePr>
         <p:xfrm>
           <a:off x="323100" y="2393975"/>
@@ -8226,14 +8232,14 @@
                         <a:buNone/>
                       </a:pPr>
                       <a:r>
-                        <a:rPr lang="en" sz="1800">
+                        <a:rPr lang="en" sz="1800" dirty="0">
                           <a:solidFill>
                             <a:srgbClr val="FFFFFF"/>
                           </a:solidFill>
                         </a:rPr>
-                        <a:t>2014</a:t>
+                        <a:t>October</a:t>
                       </a:r>
-                      <a:endParaRPr sz="1800">
+                      <a:endParaRPr sz="1800" dirty="0">
                         <a:solidFill>
                           <a:srgbClr val="FFFFFF"/>
                         </a:solidFill>
@@ -8335,14 +8341,14 @@
                         <a:buNone/>
                       </a:pPr>
                       <a:r>
-                        <a:rPr lang="en" sz="1800">
+                        <a:rPr lang="en" sz="1800" dirty="0">
                           <a:solidFill>
                             <a:srgbClr val="FFFFFF"/>
                           </a:solidFill>
                         </a:rPr>
-                        <a:t>2015</a:t>
+                        <a:t>November/December</a:t>
                       </a:r>
-                      <a:endParaRPr sz="1800">
+                      <a:endParaRPr sz="1800" dirty="0">
                         <a:solidFill>
                           <a:srgbClr val="FFFFFF"/>
                         </a:solidFill>
@@ -9027,7 +9033,7 @@
         <p:spPr>
           <a:xfrm>
             <a:off x="371775" y="1228425"/>
-            <a:ext cx="2629500" cy="3155100"/>
+            <a:ext cx="2629500" cy="3439828"/>
           </a:xfrm>
           <a:prstGeom prst="wedgeRectCallout">
             <a:avLst>
@@ -9070,7 +9076,7 @@
         <p:spPr>
           <a:xfrm>
             <a:off x="3210425" y="1228425"/>
-            <a:ext cx="2629500" cy="3155100"/>
+            <a:ext cx="2629500" cy="3439828"/>
           </a:xfrm>
           <a:prstGeom prst="wedgeRectCallout">
             <a:avLst>
@@ -9112,8 +9118,8 @@
         </p:nvSpPr>
         <p:spPr>
           <a:xfrm>
-            <a:off x="6049100" y="1228425"/>
-            <a:ext cx="2629500" cy="3155100"/>
+            <a:off x="6049100" y="1228424"/>
+            <a:ext cx="2629500" cy="3439827"/>
           </a:xfrm>
           <a:prstGeom prst="wedgeRectCallout">
             <a:avLst>
@@ -9226,7 +9232,7 @@
         <p:spPr>
           <a:xfrm>
             <a:off x="447975" y="1228425"/>
-            <a:ext cx="2481600" cy="3155100"/>
+            <a:ext cx="2481600" cy="3439826"/>
           </a:xfrm>
           <a:prstGeom prst="rect">
             <a:avLst/>
@@ -9248,110 +9254,56 @@
               <a:buNone/>
             </a:pPr>
             <a:r>
-              <a:rPr lang="en" sz="2100"/>
+              <a:rPr lang="en" sz="2100" dirty="0"/>
               <a:t>08/11/2023</a:t>
             </a:r>
-            <a:endParaRPr sz="2100">
+            <a:endParaRPr sz="2100" dirty="0">
               <a:solidFill>
                 <a:schemeClr val="lt1"/>
               </a:solidFill>
             </a:endParaRPr>
           </a:p>
           <a:p>
-            <a:pPr marL="0" lvl="0" indent="0" algn="l" rtl="0">
+            <a:pPr>
               <a:spcBef>
                 <a:spcPts val="1200"/>
               </a:spcBef>
-              <a:spcAft>
-                <a:spcPts val="0"/>
-              </a:spcAft>
-              <a:buNone/>
             </a:pPr>
             <a:r>
-              <a:rPr lang="en" sz="1400" b="0"/>
+              <a:rPr lang="en" sz="1400" b="0" dirty="0"/>
               <a:t>User Registration and Login.</a:t>
             </a:r>
-            <a:endParaRPr sz="1400" b="0"/>
-          </a:p>
-          <a:p>
-            <a:pPr marL="0" lvl="0" indent="0" algn="l" rtl="0">
-              <a:spcBef>
-                <a:spcPts val="1200"/>
-              </a:spcBef>
-              <a:spcAft>
-                <a:spcPts val="0"/>
-              </a:spcAft>
-              <a:buNone/>
-            </a:pPr>
+            <a:br>
+              <a:rPr lang="en" sz="1400" b="0" dirty="0"/>
+            </a:br>
+            <a:br>
+              <a:rPr lang="en" sz="1400" b="0" dirty="0"/>
+            </a:br>
             <a:r>
-              <a:rPr lang="en" sz="1400" b="0"/>
-              <a:t>Able to follow/unfollow other users.</a:t>
+              <a:rPr lang="en-US" sz="1400" b="0" dirty="0"/>
+              <a:t>Able to read information from identification documents.</a:t>
             </a:r>
-            <a:endParaRPr sz="1400" b="0"/>
-          </a:p>
-          <a:p>
-            <a:pPr marL="0" lvl="0" indent="0" algn="l" rtl="0">
-              <a:spcBef>
-                <a:spcPts val="1200"/>
-              </a:spcBef>
-              <a:spcAft>
-                <a:spcPts val="0"/>
-              </a:spcAft>
-              <a:buNone/>
-            </a:pPr>
+            <a:br>
+              <a:rPr lang="en-US" sz="1400" b="0" dirty="0"/>
+            </a:br>
+            <a:br>
+              <a:rPr lang="en-US" sz="1400" b="0" dirty="0"/>
+            </a:br>
             <a:r>
-              <a:rPr lang="en" sz="1400" b="0"/>
-              <a:t>Able to like/unlike posts.</a:t>
+              <a:rPr lang="en-US" sz="1400" b="0" dirty="0"/>
+              <a:t>Able to preview user profiles.</a:t>
             </a:r>
-            <a:endParaRPr sz="1400" b="0"/>
-          </a:p>
-          <a:p>
-            <a:pPr marL="0" lvl="0" indent="0" algn="l" rtl="0">
-              <a:spcBef>
-                <a:spcPts val="1200"/>
-              </a:spcBef>
-              <a:spcAft>
-                <a:spcPts val="0"/>
-              </a:spcAft>
-              <a:buNone/>
-            </a:pPr>
+            <a:br>
+              <a:rPr lang="en-US" sz="1400" b="0" dirty="0"/>
+            </a:br>
+            <a:br>
+              <a:rPr lang="en-US" sz="1400" b="0" dirty="0"/>
+            </a:br>
             <a:r>
-              <a:rPr lang="en" sz="1400" b="0"/>
-              <a:t>Able to comment on posts.</a:t>
+              <a:rPr lang="en-US" sz="1400" b="0" dirty="0"/>
+              <a:t>Can view your personal feed.</a:t>
             </a:r>
-            <a:endParaRPr sz="1400" b="0"/>
-          </a:p>
-          <a:p>
-            <a:pPr marL="0" lvl="0" indent="0" algn="l" rtl="0">
-              <a:spcBef>
-                <a:spcPts val="1200"/>
-              </a:spcBef>
-              <a:spcAft>
-                <a:spcPts val="0"/>
-              </a:spcAft>
-              <a:buNone/>
-            </a:pPr>
-            <a:r>
-              <a:rPr lang="en" sz="1400" b="0"/>
-              <a:t>Able to preview user profile.</a:t>
-            </a:r>
-            <a:endParaRPr sz="1400" b="0"/>
-          </a:p>
-          <a:p>
-            <a:pPr marL="0" lvl="0" indent="0" algn="l" rtl="0">
-              <a:spcBef>
-                <a:spcPts val="1200"/>
-              </a:spcBef>
-              <a:spcAft>
-                <a:spcPts val="1200"/>
-              </a:spcAft>
-              <a:buNone/>
-            </a:pPr>
-            <a:r>
-              <a:rPr lang="en" sz="1400" b="0"/>
-              <a:t>Can view personal feed.</a:t>
-            </a:r>
-            <a:endParaRPr sz="1400" b="0"/>
+            <a:endParaRPr sz="1400" b="0" dirty="0"/>
           </a:p>
         </p:txBody>
       </p:sp>
@@ -9367,8 +9319,8 @@
         </p:nvSpPr>
         <p:spPr>
           <a:xfrm>
-            <a:off x="3286625" y="1228500"/>
-            <a:ext cx="2481600" cy="3155100"/>
+            <a:off x="3286625" y="1228499"/>
+            <a:ext cx="2481600" cy="3439751"/>
           </a:xfrm>
           <a:prstGeom prst="rect">
             <a:avLst/>
@@ -9390,10 +9342,10 @@
               <a:buNone/>
             </a:pPr>
             <a:r>
-              <a:rPr lang="en" sz="2100"/>
+              <a:rPr lang="en" sz="2100" dirty="0"/>
               <a:t>06/12/2023</a:t>
             </a:r>
-            <a:endParaRPr sz="2100">
+            <a:endParaRPr sz="2100" dirty="0">
               <a:solidFill>
                 <a:schemeClr val="lt1"/>
               </a:solidFill>
@@ -9410,10 +9362,10 @@
               <a:buNone/>
             </a:pPr>
             <a:r>
-              <a:rPr lang="en" sz="1400" b="0"/>
-              <a:t>Able to read information off identification document.</a:t>
+              <a:rPr lang="en" sz="1400" b="0" dirty="0"/>
+              <a:t>Able to use facial recognition to compare image from ID against one uploaded by the user.</a:t>
             </a:r>
-            <a:endParaRPr sz="1400" b="0"/>
+            <a:endParaRPr sz="1400" b="0" dirty="0"/>
           </a:p>
           <a:p>
             <a:pPr marL="0" lvl="0" indent="0" algn="l" rtl="0">
@@ -9426,26 +9378,37 @@
               <a:buNone/>
             </a:pPr>
             <a:r>
-              <a:rPr lang="en" sz="1400" b="0"/>
-              <a:t>Able to use facial recognition to compare image from ID against one uploaded by the user.</a:t>
+              <a:rPr lang="en" sz="1400" b="0" dirty="0"/>
+              <a:t>Able to send direct messages.</a:t>
             </a:r>
-            <a:endParaRPr sz="1400" b="0"/>
-          </a:p>
-          <a:p>
-            <a:pPr marL="0" lvl="0" indent="0" algn="l" rtl="0">
-              <a:spcBef>
-                <a:spcPts val="1200"/>
-              </a:spcBef>
-              <a:spcAft>
-                <a:spcPts val="1200"/>
-              </a:spcAft>
-              <a:buNone/>
-            </a:pPr>
+            <a:br>
+              <a:rPr lang="en" sz="1400" b="0" dirty="0"/>
+            </a:br>
+            <a:br>
+              <a:rPr lang="en" sz="1400" b="0" dirty="0"/>
+            </a:br>
             <a:r>
-              <a:rPr lang="en" sz="1400" b="0"/>
-              <a:t>Users of the application can send direct messages to each other.</a:t>
+              <a:rPr lang="en-US" sz="1400" b="0" dirty="0"/>
+              <a:t>Able to follow/unfollow other users.</a:t>
             </a:r>
-            <a:endParaRPr sz="1400" b="0"/>
+            <a:br>
+              <a:rPr lang="en-US" sz="1400" b="0" dirty="0"/>
+            </a:br>
+            <a:br>
+              <a:rPr lang="en-US" sz="1400" b="0" dirty="0"/>
+            </a:br>
+            <a:r>
+              <a:rPr lang="en-US" sz="1400" b="0" dirty="0"/>
+              <a:t>Able to like/unlike posts.</a:t>
+            </a:r>
+            <a:br>
+              <a:rPr lang="en-US" sz="1400" b="0" dirty="0"/>
+            </a:br>
+            <a:r>
+              <a:rPr lang="en-US" sz="1400" b="0" dirty="0"/>
+              <a:t>Able to comment on posts.</a:t>
+            </a:r>
+            <a:endParaRPr sz="1400" b="0" dirty="0"/>
           </a:p>
         </p:txBody>
       </p:sp>
